--- a/SCUDEM Presentation.pptx
+++ b/SCUDEM Presentation.pptx
@@ -6,6 +6,10 @@
   </p:sldMasterIdLst>
   <p:sldIdLst>
     <p:sldId id="256" r:id="rId2"/>
+    <p:sldId id="257" r:id="rId3"/>
+    <p:sldId id="258" r:id="rId4"/>
+    <p:sldId id="259" r:id="rId5"/>
+    <p:sldId id="260" r:id="rId6"/>
   </p:sldIdLst>
   <p:sldSz cx="12192000" cy="6858000"/>
   <p:notesSz cx="6858000" cy="9144000"/>
@@ -5741,6 +5745,1072 @@
 </p:sld>
 </file>
 
+<file path=ppt/slides/slide2.xml><?xml version="1.0" encoding="utf-8"?>
+<p:sld xmlns:a="http://schemas.openxmlformats.org/drawingml/2006/main" xmlns:r="http://schemas.openxmlformats.org/officeDocument/2006/relationships" xmlns:p="http://schemas.openxmlformats.org/presentationml/2006/main">
+  <p:cSld>
+    <p:spTree>
+      <p:nvGrpSpPr>
+        <p:cNvPr id="1" name=""/>
+        <p:cNvGrpSpPr/>
+        <p:nvPr/>
+      </p:nvGrpSpPr>
+      <p:grpSpPr>
+        <a:xfrm>
+          <a:off x="0" y="0"/>
+          <a:ext cx="0" cy="0"/>
+          <a:chOff x="0" y="0"/>
+          <a:chExt cx="0" cy="0"/>
+        </a:xfrm>
+      </p:grpSpPr>
+      <p:sp>
+        <p:nvSpPr>
+          <p:cNvPr id="2" name="Title 1">
+            <a:extLst>
+              <a:ext uri="{FF2B5EF4-FFF2-40B4-BE49-F238E27FC236}">
+                <a16:creationId xmlns:a16="http://schemas.microsoft.com/office/drawing/2014/main" id="{4D7D6617-496C-C744-BC14-390679D8E02A}"/>
+              </a:ext>
+            </a:extLst>
+          </p:cNvPr>
+          <p:cNvSpPr>
+            <a:spLocks noGrp="1"/>
+          </p:cNvSpPr>
+          <p:nvPr>
+            <p:ph type="title"/>
+          </p:nvPr>
+        </p:nvSpPr>
+        <p:spPr/>
+        <p:txBody>
+          <a:bodyPr/>
+          <a:lstStyle/>
+          <a:p>
+            <a:r>
+              <a:rPr lang="en-US" dirty="0"/>
+              <a:t>Road MAP</a:t>
+            </a:r>
+          </a:p>
+        </p:txBody>
+      </p:sp>
+      <p:sp>
+        <p:nvSpPr>
+          <p:cNvPr id="3" name="Content Placeholder 2">
+            <a:extLst>
+              <a:ext uri="{FF2B5EF4-FFF2-40B4-BE49-F238E27FC236}">
+                <a16:creationId xmlns:a16="http://schemas.microsoft.com/office/drawing/2014/main" id="{0D316DC1-E2CC-0C42-B8B4-86B4D7279627}"/>
+              </a:ext>
+            </a:extLst>
+          </p:cNvPr>
+          <p:cNvSpPr>
+            <a:spLocks noGrp="1"/>
+          </p:cNvSpPr>
+          <p:nvPr>
+            <p:ph idx="1"/>
+          </p:nvPr>
+        </p:nvSpPr>
+        <p:spPr/>
+        <p:txBody>
+          <a:bodyPr/>
+          <a:lstStyle/>
+          <a:p>
+            <a:pPr marL="457200" indent="-457200">
+              <a:buFont typeface="+mj-lt"/>
+              <a:buAutoNum type="arabicPeriod"/>
+            </a:pPr>
+            <a:r>
+              <a:rPr lang="en-US" dirty="0"/>
+              <a:t>SOLUTION STRATEGY</a:t>
+            </a:r>
+          </a:p>
+          <a:p>
+            <a:pPr marL="457200" indent="-457200">
+              <a:buFont typeface="+mj-lt"/>
+              <a:buAutoNum type="arabicPeriod"/>
+            </a:pPr>
+            <a:r>
+              <a:rPr lang="en-US" dirty="0"/>
+              <a:t>VARIABLES AND FUNCTIONS</a:t>
+            </a:r>
+          </a:p>
+          <a:p>
+            <a:pPr marL="457200" indent="-457200">
+              <a:buFont typeface="+mj-lt"/>
+              <a:buAutoNum type="arabicPeriod"/>
+            </a:pPr>
+            <a:r>
+              <a:rPr lang="en-US" dirty="0"/>
+              <a:t>ASSUMPTIONS AND LIMITATIONS</a:t>
+            </a:r>
+          </a:p>
+          <a:p>
+            <a:pPr marL="457200" indent="-457200">
+              <a:buFont typeface="+mj-lt"/>
+              <a:buAutoNum type="arabicPeriod"/>
+            </a:pPr>
+            <a:r>
+              <a:rPr lang="en-US" dirty="0"/>
+              <a:t>EXPANSIONS</a:t>
+            </a:r>
+          </a:p>
+          <a:p>
+            <a:pPr marL="457200" indent="-457200">
+              <a:buFont typeface="+mj-lt"/>
+              <a:buAutoNum type="arabicPeriod"/>
+            </a:pPr>
+            <a:r>
+              <a:rPr lang="en-US" dirty="0"/>
+              <a:t>CONCLUSION</a:t>
+            </a:r>
+          </a:p>
+        </p:txBody>
+      </p:sp>
+    </p:spTree>
+    <p:extLst>
+      <p:ext uri="{BB962C8B-B14F-4D97-AF65-F5344CB8AC3E}">
+        <p14:creationId xmlns:p14="http://schemas.microsoft.com/office/powerpoint/2010/main" val="3302144028"/>
+      </p:ext>
+    </p:extLst>
+  </p:cSld>
+  <p:clrMapOvr>
+    <a:masterClrMapping/>
+  </p:clrMapOvr>
+</p:sld>
+</file>
+
+<file path=ppt/slides/slide3.xml><?xml version="1.0" encoding="utf-8"?>
+<p:sld xmlns:a="http://schemas.openxmlformats.org/drawingml/2006/main" xmlns:r="http://schemas.openxmlformats.org/officeDocument/2006/relationships" xmlns:p="http://schemas.openxmlformats.org/presentationml/2006/main">
+  <p:cSld>
+    <p:bg>
+      <p:bgPr>
+        <a:solidFill>
+          <a:schemeClr val="bg1"/>
+        </a:solidFill>
+        <a:effectLst/>
+      </p:bgPr>
+    </p:bg>
+    <p:spTree>
+      <p:nvGrpSpPr>
+        <p:cNvPr id="1" name=""/>
+        <p:cNvGrpSpPr/>
+        <p:nvPr/>
+      </p:nvGrpSpPr>
+      <p:grpSpPr>
+        <a:xfrm>
+          <a:off x="0" y="0"/>
+          <a:ext cx="0" cy="0"/>
+          <a:chOff x="0" y="0"/>
+          <a:chExt cx="0" cy="0"/>
+        </a:xfrm>
+      </p:grpSpPr>
+      <p:sp useBgFill="1">
+        <p:nvSpPr>
+          <p:cNvPr id="16" name="Rectangle 15">
+            <a:extLst>
+              <a:ext uri="{FF2B5EF4-FFF2-40B4-BE49-F238E27FC236}">
+                <a16:creationId xmlns:a16="http://schemas.microsoft.com/office/drawing/2014/main" id="{CD94F7C0-1344-4B3C-AFCB-E7F006BB5348}"/>
+              </a:ext>
+              <a:ext uri="{C183D7F6-B498-43B3-948B-1728B52AA6E4}">
+                <adec:decorative xmlns:adec="http://schemas.microsoft.com/office/drawing/2017/decorative" val="1"/>
+              </a:ext>
+            </a:extLst>
+          </p:cNvPr>
+          <p:cNvSpPr>
+            <a:spLocks noGrp="1" noRot="1" noChangeAspect="1" noMove="1" noResize="1" noEditPoints="1" noAdjustHandles="1" noChangeArrowheads="1" noChangeShapeType="1" noTextEdit="1"/>
+          </p:cNvSpPr>
+          <p:nvPr>
+            <p:extLst>
+              <p:ext uri="{386F3935-93C4-4BCD-93E2-E3B085C9AB24}">
+                <p16:designElem xmlns:p16="http://schemas.microsoft.com/office/powerpoint/2015/main" val="1"/>
+              </p:ext>
+            </p:extLst>
+          </p:nvPr>
+        </p:nvSpPr>
+        <p:spPr>
+          <a:xfrm>
+            <a:off x="0" y="0"/>
+            <a:ext cx="12192000" cy="6858000"/>
+          </a:xfrm>
+          <a:prstGeom prst="rect">
+            <a:avLst/>
+          </a:prstGeom>
+          <a:ln>
+            <a:noFill/>
+          </a:ln>
+        </p:spPr>
+        <p:style>
+          <a:lnRef idx="2">
+            <a:schemeClr val="accent1">
+              <a:shade val="50000"/>
+            </a:schemeClr>
+          </a:lnRef>
+          <a:fillRef idx="1">
+            <a:schemeClr val="accent1"/>
+          </a:fillRef>
+          <a:effectRef idx="0">
+            <a:schemeClr val="accent1"/>
+          </a:effectRef>
+          <a:fontRef idx="minor">
+            <a:schemeClr val="lt1"/>
+          </a:fontRef>
+        </p:style>
+        <p:txBody>
+          <a:bodyPr rtlCol="0" anchor="ctr"/>
+          <a:lstStyle/>
+          <a:p>
+            <a:pPr algn="ctr"/>
+            <a:endParaRPr lang="en-US"/>
+          </a:p>
+        </p:txBody>
+      </p:sp>
+      <p:pic>
+        <p:nvPicPr>
+          <p:cNvPr id="18" name="Picture 17">
+            <a:extLst>
+              <a:ext uri="{FF2B5EF4-FFF2-40B4-BE49-F238E27FC236}">
+                <a16:creationId xmlns:a16="http://schemas.microsoft.com/office/drawing/2014/main" id="{4EC584A2-4215-4DB8-AE1F-E3768D77E8DE}"/>
+              </a:ext>
+              <a:ext uri="{C183D7F6-B498-43B3-948B-1728B52AA6E4}">
+                <adec:decorative xmlns:adec="http://schemas.microsoft.com/office/drawing/2017/decorative" val="1"/>
+              </a:ext>
+            </a:extLst>
+          </p:cNvPr>
+          <p:cNvPicPr>
+            <a:picLocks noGrp="1" noRot="1" noChangeAspect="1" noMove="1" noResize="1" noEditPoints="1" noAdjustHandles="1" noChangeArrowheads="1" noChangeShapeType="1" noCrop="1"/>
+          </p:cNvPicPr>
+          <p:nvPr>
+            <p:extLst>
+              <p:ext uri="{386F3935-93C4-4BCD-93E2-E3B085C9AB24}">
+                <p16:designElem xmlns:p16="http://schemas.microsoft.com/office/powerpoint/2015/main" val="1"/>
+              </p:ext>
+            </p:extLst>
+          </p:nvPr>
+        </p:nvPicPr>
+        <p:blipFill>
+          <a:blip r:embed="rId2">
+            <a:extLst>
+              <a:ext uri="{28A0092B-C50C-407E-A947-70E740481C1C}">
+                <a14:useLocalDpi xmlns:a14="http://schemas.microsoft.com/office/drawing/2010/main" val="0"/>
+              </a:ext>
+            </a:extLst>
+          </a:blip>
+          <a:stretch>
+            <a:fillRect/>
+          </a:stretch>
+        </p:blipFill>
+        <p:spPr>
+          <a:xfrm>
+            <a:off x="0" y="0"/>
+            <a:ext cx="12192000" cy="1441450"/>
+          </a:xfrm>
+          <a:prstGeom prst="rect">
+            <a:avLst/>
+          </a:prstGeom>
+        </p:spPr>
+      </p:pic>
+      <p:sp>
+        <p:nvSpPr>
+          <p:cNvPr id="2" name="Title 1">
+            <a:extLst>
+              <a:ext uri="{FF2B5EF4-FFF2-40B4-BE49-F238E27FC236}">
+                <a16:creationId xmlns:a16="http://schemas.microsoft.com/office/drawing/2014/main" id="{556342A8-E23E-C24C-95B5-828118E7A894}"/>
+              </a:ext>
+            </a:extLst>
+          </p:cNvPr>
+          <p:cNvSpPr>
+            <a:spLocks noGrp="1"/>
+          </p:cNvSpPr>
+          <p:nvPr>
+            <p:ph type="title"/>
+          </p:nvPr>
+        </p:nvSpPr>
+        <p:spPr>
+          <a:xfrm>
+            <a:off x="0" y="764373"/>
+            <a:ext cx="3977639" cy="1600200"/>
+          </a:xfrm>
+        </p:spPr>
+        <p:txBody>
+          <a:bodyPr anchor="b">
+            <a:normAutofit/>
+          </a:bodyPr>
+          <a:lstStyle/>
+          <a:p>
+            <a:pPr algn="l"/>
+            <a:r>
+              <a:rPr lang="en-US" sz="3200" dirty="0"/>
+              <a:t>SOLUTION STRATEGY</a:t>
+            </a:r>
+          </a:p>
+        </p:txBody>
+      </p:sp>
+      <p:sp>
+        <p:nvSpPr>
+          <p:cNvPr id="3" name="Content Placeholder 2">
+            <a:extLst>
+              <a:ext uri="{FF2B5EF4-FFF2-40B4-BE49-F238E27FC236}">
+                <a16:creationId xmlns:a16="http://schemas.microsoft.com/office/drawing/2014/main" id="{836F7094-3470-A44D-984C-E063BE4DF1BB}"/>
+              </a:ext>
+            </a:extLst>
+          </p:cNvPr>
+          <p:cNvSpPr>
+            <a:spLocks noGrp="1"/>
+          </p:cNvSpPr>
+          <p:nvPr>
+            <p:ph idx="1"/>
+          </p:nvPr>
+        </p:nvSpPr>
+        <p:spPr>
+          <a:xfrm>
+            <a:off x="0" y="2364573"/>
+            <a:ext cx="4663439" cy="3854112"/>
+          </a:xfrm>
+        </p:spPr>
+        <p:txBody>
+          <a:bodyPr>
+            <a:normAutofit/>
+          </a:bodyPr>
+          <a:lstStyle/>
+          <a:p>
+            <a:pPr marL="457200" indent="-457200">
+              <a:buFont typeface="+mj-lt"/>
+              <a:buAutoNum type="arabicPeriod"/>
+            </a:pPr>
+            <a:r>
+              <a:rPr lang="en-US" sz="1600" dirty="0"/>
+              <a:t>SIMULATION</a:t>
+            </a:r>
+          </a:p>
+          <a:p>
+            <a:pPr marL="914400" lvl="1" indent="-457200">
+              <a:buFont typeface="+mj-lt"/>
+              <a:buAutoNum type="arabicPeriod"/>
+            </a:pPr>
+            <a:r>
+              <a:rPr lang="en-US" sz="1600" dirty="0"/>
+              <a:t>C++ PROGRAM</a:t>
+            </a:r>
+          </a:p>
+          <a:p>
+            <a:pPr marL="1371600" lvl="2" indent="-457200">
+              <a:buFont typeface="+mj-lt"/>
+              <a:buAutoNum type="arabicPeriod"/>
+            </a:pPr>
+            <a:r>
+              <a:rPr lang="en-US" sz="1600" dirty="0" err="1"/>
+              <a:t>NeoVim</a:t>
+            </a:r>
+            <a:r>
+              <a:rPr lang="en-US" sz="1600" dirty="0"/>
+              <a:t>, </a:t>
+            </a:r>
+            <a:r>
+              <a:rPr lang="en-US" sz="1600" dirty="0" err="1"/>
+              <a:t>Alacritty</a:t>
+            </a:r>
+            <a:r>
+              <a:rPr lang="en-US" sz="1600" dirty="0"/>
+              <a:t>, TMUX, CMAKE, CCLS</a:t>
+            </a:r>
+          </a:p>
+          <a:p>
+            <a:pPr marL="1371600" lvl="2" indent="-457200">
+              <a:buFont typeface="+mj-lt"/>
+              <a:buAutoNum type="arabicPeriod"/>
+            </a:pPr>
+            <a:r>
+              <a:rPr lang="en-US" sz="1600" dirty="0" err="1"/>
+              <a:t>Github</a:t>
+            </a:r>
+            <a:r>
+              <a:rPr lang="en-US" sz="1600" dirty="0"/>
+              <a:t>: </a:t>
+            </a:r>
+            <a:r>
+              <a:rPr lang="en-US" sz="1400" dirty="0"/>
+              <a:t>https://</a:t>
+            </a:r>
+            <a:r>
+              <a:rPr lang="en-US" sz="1400" dirty="0" err="1"/>
+              <a:t>github.com</a:t>
+            </a:r>
+            <a:r>
+              <a:rPr lang="en-US" sz="1400" dirty="0"/>
+              <a:t>/Nakul-27/SCUDEM-Populations</a:t>
+            </a:r>
+          </a:p>
+          <a:p>
+            <a:pPr marL="457200" indent="-457200">
+              <a:buFont typeface="+mj-lt"/>
+              <a:buAutoNum type="arabicPeriod"/>
+            </a:pPr>
+            <a:r>
+              <a:rPr lang="en-US" sz="1600" dirty="0"/>
+              <a:t>RANDOM GENERATION</a:t>
+            </a:r>
+          </a:p>
+          <a:p>
+            <a:pPr marL="457200" indent="-457200">
+              <a:buFont typeface="+mj-lt"/>
+              <a:buAutoNum type="arabicPeriod"/>
+            </a:pPr>
+            <a:r>
+              <a:rPr lang="en-US" sz="1600" dirty="0"/>
+              <a:t>INTERACTIONS</a:t>
+            </a:r>
+          </a:p>
+          <a:p>
+            <a:pPr marL="914400" lvl="1" indent="-457200">
+              <a:buFont typeface="+mj-lt"/>
+              <a:buAutoNum type="arabicPeriod"/>
+            </a:pPr>
+            <a:r>
+              <a:rPr lang="en-US" sz="1600" dirty="0"/>
+              <a:t>FITNESS</a:t>
+            </a:r>
+          </a:p>
+          <a:p>
+            <a:pPr marL="1371600" lvl="2" indent="-457200">
+              <a:buFont typeface="+mj-lt"/>
+              <a:buAutoNum type="arabicPeriod"/>
+            </a:pPr>
+            <a:r>
+              <a:rPr lang="en-US" sz="1600" dirty="0"/>
+              <a:t>CHANGE METHOD</a:t>
+            </a:r>
+          </a:p>
+        </p:txBody>
+      </p:sp>
+      <p:pic>
+        <p:nvPicPr>
+          <p:cNvPr id="5" name="Picture 4" descr="Text&#10;&#10;Description automatically generated">
+            <a:extLst>
+              <a:ext uri="{FF2B5EF4-FFF2-40B4-BE49-F238E27FC236}">
+                <a16:creationId xmlns:a16="http://schemas.microsoft.com/office/drawing/2014/main" id="{C2E1E8CD-5291-B044-B9A8-B977DFD6E26E}"/>
+              </a:ext>
+            </a:extLst>
+          </p:cNvPr>
+          <p:cNvPicPr>
+            <a:picLocks noChangeAspect="1"/>
+          </p:cNvPicPr>
+          <p:nvPr/>
+        </p:nvPicPr>
+        <p:blipFill>
+          <a:blip r:embed="rId3"/>
+          <a:stretch>
+            <a:fillRect/>
+          </a:stretch>
+        </p:blipFill>
+        <p:spPr>
+          <a:xfrm>
+            <a:off x="4972699" y="1440686"/>
+            <a:ext cx="6533501" cy="4083438"/>
+          </a:xfrm>
+          <a:prstGeom prst="rect">
+            <a:avLst/>
+          </a:prstGeom>
+        </p:spPr>
+      </p:pic>
+    </p:spTree>
+    <p:extLst>
+      <p:ext uri="{BB962C8B-B14F-4D97-AF65-F5344CB8AC3E}">
+        <p14:creationId xmlns:p14="http://schemas.microsoft.com/office/powerpoint/2010/main" val="1867913145"/>
+      </p:ext>
+    </p:extLst>
+  </p:cSld>
+  <p:clrMapOvr>
+    <a:masterClrMapping/>
+  </p:clrMapOvr>
+</p:sld>
+</file>
+
+<file path=ppt/slides/slide4.xml><?xml version="1.0" encoding="utf-8"?>
+<p:sld xmlns:a="http://schemas.openxmlformats.org/drawingml/2006/main" xmlns:r="http://schemas.openxmlformats.org/officeDocument/2006/relationships" xmlns:p="http://schemas.openxmlformats.org/presentationml/2006/main">
+  <p:cSld>
+    <p:bg>
+      <p:bgPr>
+        <a:solidFill>
+          <a:schemeClr val="bg1"/>
+        </a:solidFill>
+        <a:effectLst/>
+      </p:bgPr>
+    </p:bg>
+    <p:spTree>
+      <p:nvGrpSpPr>
+        <p:cNvPr id="1" name=""/>
+        <p:cNvGrpSpPr/>
+        <p:nvPr/>
+      </p:nvGrpSpPr>
+      <p:grpSpPr>
+        <a:xfrm>
+          <a:off x="0" y="0"/>
+          <a:ext cx="0" cy="0"/>
+          <a:chOff x="0" y="0"/>
+          <a:chExt cx="0" cy="0"/>
+        </a:xfrm>
+      </p:grpSpPr>
+      <p:sp>
+        <p:nvSpPr>
+          <p:cNvPr id="2" name="Title 1">
+            <a:extLst>
+              <a:ext uri="{FF2B5EF4-FFF2-40B4-BE49-F238E27FC236}">
+                <a16:creationId xmlns:a16="http://schemas.microsoft.com/office/drawing/2014/main" id="{0DEE221A-CAE0-A340-BFA8-29A77C0D53AF}"/>
+              </a:ext>
+            </a:extLst>
+          </p:cNvPr>
+          <p:cNvSpPr>
+            <a:spLocks noGrp="1"/>
+          </p:cNvSpPr>
+          <p:nvPr>
+            <p:ph type="title"/>
+          </p:nvPr>
+        </p:nvSpPr>
+        <p:spPr>
+          <a:xfrm>
+            <a:off x="619759" y="764373"/>
+            <a:ext cx="6257291" cy="1293028"/>
+          </a:xfrm>
+        </p:spPr>
+        <p:txBody>
+          <a:bodyPr>
+            <a:normAutofit/>
+          </a:bodyPr>
+          <a:lstStyle/>
+          <a:p>
+            <a:r>
+              <a:rPr lang="en-US"/>
+              <a:t>Variables</a:t>
+            </a:r>
+            <a:endParaRPr lang="en-US" dirty="0"/>
+          </a:p>
+        </p:txBody>
+      </p:sp>
+      <p:sp>
+        <p:nvSpPr>
+          <p:cNvPr id="3" name="Content Placeholder 2">
+            <a:extLst>
+              <a:ext uri="{FF2B5EF4-FFF2-40B4-BE49-F238E27FC236}">
+                <a16:creationId xmlns:a16="http://schemas.microsoft.com/office/drawing/2014/main" id="{33002A01-D5AC-AF48-B90C-7B351D41ADBF}"/>
+              </a:ext>
+            </a:extLst>
+          </p:cNvPr>
+          <p:cNvSpPr>
+            <a:spLocks noGrp="1"/>
+          </p:cNvSpPr>
+          <p:nvPr>
+            <p:ph idx="1"/>
+          </p:nvPr>
+        </p:nvSpPr>
+        <p:spPr>
+          <a:xfrm>
+            <a:off x="619760" y="2194560"/>
+            <a:ext cx="6257290" cy="4024125"/>
+          </a:xfrm>
+        </p:spPr>
+        <p:txBody>
+          <a:bodyPr>
+            <a:normAutofit/>
+          </a:bodyPr>
+          <a:lstStyle/>
+          <a:p>
+            <a:pPr marL="457200" indent="-457200">
+              <a:buFont typeface="+mj-lt"/>
+              <a:buAutoNum type="arabicPeriod"/>
+            </a:pPr>
+            <a:r>
+              <a:rPr lang="en-US" dirty="0"/>
+              <a:t>Person Class</a:t>
+            </a:r>
+          </a:p>
+          <a:p>
+            <a:pPr marL="914400" lvl="1" indent="-457200">
+              <a:buFont typeface="+mj-lt"/>
+              <a:buAutoNum type="arabicPeriod"/>
+            </a:pPr>
+            <a:r>
+              <a:rPr lang="en-US" dirty="0"/>
+              <a:t>Characteristics</a:t>
+            </a:r>
+          </a:p>
+          <a:p>
+            <a:pPr marL="457200" indent="-457200">
+              <a:buFont typeface="+mj-lt"/>
+              <a:buAutoNum type="arabicPeriod"/>
+            </a:pPr>
+            <a:r>
+              <a:rPr lang="en-US" dirty="0"/>
+              <a:t>Simulation Function</a:t>
+            </a:r>
+          </a:p>
+          <a:p>
+            <a:pPr marL="914400" lvl="1" indent="-457200">
+              <a:buFont typeface="+mj-lt"/>
+              <a:buAutoNum type="arabicPeriod"/>
+            </a:pPr>
+            <a:r>
+              <a:rPr lang="en-US" dirty="0"/>
+              <a:t>Runs the Whole Thing</a:t>
+            </a:r>
+          </a:p>
+          <a:p>
+            <a:pPr marL="457200" indent="-457200">
+              <a:buFont typeface="+mj-lt"/>
+              <a:buAutoNum type="arabicPeriod"/>
+            </a:pPr>
+            <a:r>
+              <a:rPr lang="en-US" dirty="0"/>
+              <a:t>Get Technique Function</a:t>
+            </a:r>
+          </a:p>
+          <a:p>
+            <a:pPr marL="914400" lvl="1" indent="-457200">
+              <a:buFont typeface="+mj-lt"/>
+              <a:buAutoNum type="arabicPeriod"/>
+            </a:pPr>
+            <a:r>
+              <a:rPr lang="en-US" dirty="0"/>
+              <a:t>Generate Technique</a:t>
+            </a:r>
+          </a:p>
+          <a:p>
+            <a:pPr marL="457200" indent="-457200">
+              <a:buFont typeface="+mj-lt"/>
+              <a:buAutoNum type="arabicPeriod"/>
+            </a:pPr>
+            <a:r>
+              <a:rPr lang="en-US" dirty="0"/>
+              <a:t>Output Files</a:t>
+            </a:r>
+          </a:p>
+          <a:p>
+            <a:pPr marL="914400" lvl="1" indent="-457200">
+              <a:buFont typeface="+mj-lt"/>
+              <a:buAutoNum type="arabicPeriod"/>
+            </a:pPr>
+            <a:r>
+              <a:rPr lang="en-US" dirty="0"/>
+              <a:t>Pre-</a:t>
+            </a:r>
+            <a:r>
+              <a:rPr lang="en-US" dirty="0" err="1"/>
+              <a:t>Results.txt</a:t>
+            </a:r>
+            <a:endParaRPr lang="en-US" dirty="0"/>
+          </a:p>
+          <a:p>
+            <a:pPr marL="914400" lvl="1" indent="-457200">
+              <a:buFont typeface="+mj-lt"/>
+              <a:buAutoNum type="arabicPeriod"/>
+            </a:pPr>
+            <a:r>
+              <a:rPr lang="en-US" dirty="0"/>
+              <a:t>Post-</a:t>
+            </a:r>
+            <a:r>
+              <a:rPr lang="en-US" dirty="0" err="1"/>
+              <a:t>Results.txt</a:t>
+            </a:r>
+            <a:endParaRPr lang="en-US" dirty="0"/>
+          </a:p>
+        </p:txBody>
+      </p:sp>
+      <p:sp useBgFill="1">
+        <p:nvSpPr>
+          <p:cNvPr id="13" name="Rectangle 8">
+            <a:extLst>
+              <a:ext uri="{FF2B5EF4-FFF2-40B4-BE49-F238E27FC236}">
+                <a16:creationId xmlns:a16="http://schemas.microsoft.com/office/drawing/2014/main" id="{E2E0C929-96C6-41B1-A001-566036DF047B}"/>
+              </a:ext>
+              <a:ext uri="{C183D7F6-B498-43B3-948B-1728B52AA6E4}">
+                <adec:decorative xmlns:adec="http://schemas.microsoft.com/office/drawing/2017/decorative" val="1"/>
+              </a:ext>
+            </a:extLst>
+          </p:cNvPr>
+          <p:cNvSpPr>
+            <a:spLocks noGrp="1" noRot="1" noChangeAspect="1" noMove="1" noResize="1" noEditPoints="1" noAdjustHandles="1" noChangeArrowheads="1" noChangeShapeType="1" noTextEdit="1"/>
+          </p:cNvSpPr>
+          <p:nvPr>
+            <p:extLst>
+              <p:ext uri="{386F3935-93C4-4BCD-93E2-E3B085C9AB24}">
+                <p16:designElem xmlns:p16="http://schemas.microsoft.com/office/powerpoint/2015/main" val="1"/>
+              </p:ext>
+            </p:extLst>
+          </p:nvPr>
+        </p:nvSpPr>
+        <p:spPr>
+          <a:xfrm>
+            <a:off x="7188740" y="0"/>
+            <a:ext cx="5003254" cy="6858000"/>
+          </a:xfrm>
+          <a:prstGeom prst="rect">
+            <a:avLst/>
+          </a:prstGeom>
+          <a:ln>
+            <a:noFill/>
+          </a:ln>
+        </p:spPr>
+        <p:style>
+          <a:lnRef idx="2">
+            <a:schemeClr val="accent1">
+              <a:shade val="50000"/>
+            </a:schemeClr>
+          </a:lnRef>
+          <a:fillRef idx="1">
+            <a:schemeClr val="accent1"/>
+          </a:fillRef>
+          <a:effectRef idx="0">
+            <a:schemeClr val="accent1"/>
+          </a:effectRef>
+          <a:fontRef idx="minor">
+            <a:schemeClr val="lt1"/>
+          </a:fontRef>
+        </p:style>
+        <p:txBody>
+          <a:bodyPr rtlCol="0" anchor="ctr"/>
+          <a:lstStyle/>
+          <a:p>
+            <a:pPr algn="ctr"/>
+            <a:endParaRPr lang="en-US"/>
+          </a:p>
+        </p:txBody>
+      </p:sp>
+      <p:pic>
+        <p:nvPicPr>
+          <p:cNvPr id="4" name="Picture 3" descr="Text&#10;&#10;Description automatically generated">
+            <a:extLst>
+              <a:ext uri="{FF2B5EF4-FFF2-40B4-BE49-F238E27FC236}">
+                <a16:creationId xmlns:a16="http://schemas.microsoft.com/office/drawing/2014/main" id="{398C7B94-58B7-324A-87F7-A1B0C230E5B7}"/>
+              </a:ext>
+            </a:extLst>
+          </p:cNvPr>
+          <p:cNvPicPr>
+            <a:picLocks noChangeAspect="1"/>
+          </p:cNvPicPr>
+          <p:nvPr/>
+        </p:nvPicPr>
+        <p:blipFill rotWithShape="1">
+          <a:blip r:embed="rId2"/>
+          <a:srcRect r="57417"/>
+          <a:stretch/>
+        </p:blipFill>
+        <p:spPr>
+          <a:xfrm>
+            <a:off x="7519416" y="10"/>
+            <a:ext cx="4672584" cy="6857989"/>
+          </a:xfrm>
+          <a:prstGeom prst="rect">
+            <a:avLst/>
+          </a:prstGeom>
+        </p:spPr>
+      </p:pic>
+    </p:spTree>
+    <p:extLst>
+      <p:ext uri="{BB962C8B-B14F-4D97-AF65-F5344CB8AC3E}">
+        <p14:creationId xmlns:p14="http://schemas.microsoft.com/office/powerpoint/2010/main" val="895057527"/>
+      </p:ext>
+    </p:extLst>
+  </p:cSld>
+  <p:clrMapOvr>
+    <a:masterClrMapping/>
+  </p:clrMapOvr>
+</p:sld>
+</file>
+
+<file path=ppt/slides/slide5.xml><?xml version="1.0" encoding="utf-8"?>
+<p:sld xmlns:a="http://schemas.openxmlformats.org/drawingml/2006/main" xmlns:r="http://schemas.openxmlformats.org/officeDocument/2006/relationships" xmlns:p="http://schemas.openxmlformats.org/presentationml/2006/main">
+  <p:cSld>
+    <p:bg>
+      <p:bgPr>
+        <a:solidFill>
+          <a:schemeClr val="bg1"/>
+        </a:solidFill>
+        <a:effectLst/>
+      </p:bgPr>
+    </p:bg>
+    <p:spTree>
+      <p:nvGrpSpPr>
+        <p:cNvPr id="1" name=""/>
+        <p:cNvGrpSpPr/>
+        <p:nvPr/>
+      </p:nvGrpSpPr>
+      <p:grpSpPr>
+        <a:xfrm>
+          <a:off x="0" y="0"/>
+          <a:ext cx="0" cy="0"/>
+          <a:chOff x="0" y="0"/>
+          <a:chExt cx="0" cy="0"/>
+        </a:xfrm>
+      </p:grpSpPr>
+      <p:sp useBgFill="1">
+        <p:nvSpPr>
+          <p:cNvPr id="11" name="Rectangle 10">
+            <a:extLst>
+              <a:ext uri="{FF2B5EF4-FFF2-40B4-BE49-F238E27FC236}">
+                <a16:creationId xmlns:a16="http://schemas.microsoft.com/office/drawing/2014/main" id="{CD94F7C0-1344-4B3C-AFCB-E7F006BB5348}"/>
+              </a:ext>
+              <a:ext uri="{C183D7F6-B498-43B3-948B-1728B52AA6E4}">
+                <adec:decorative xmlns:adec="http://schemas.microsoft.com/office/drawing/2017/decorative" val="1"/>
+              </a:ext>
+            </a:extLst>
+          </p:cNvPr>
+          <p:cNvSpPr>
+            <a:spLocks noGrp="1" noRot="1" noChangeAspect="1" noMove="1" noResize="1" noEditPoints="1" noAdjustHandles="1" noChangeArrowheads="1" noChangeShapeType="1" noTextEdit="1"/>
+          </p:cNvSpPr>
+          <p:nvPr>
+            <p:extLst>
+              <p:ext uri="{386F3935-93C4-4BCD-93E2-E3B085C9AB24}">
+                <p16:designElem xmlns:p16="http://schemas.microsoft.com/office/powerpoint/2015/main" val="1"/>
+              </p:ext>
+            </p:extLst>
+          </p:nvPr>
+        </p:nvSpPr>
+        <p:spPr>
+          <a:xfrm>
+            <a:off x="0" y="0"/>
+            <a:ext cx="12192000" cy="6858000"/>
+          </a:xfrm>
+          <a:prstGeom prst="rect">
+            <a:avLst/>
+          </a:prstGeom>
+          <a:ln>
+            <a:noFill/>
+          </a:ln>
+        </p:spPr>
+        <p:style>
+          <a:lnRef idx="2">
+            <a:schemeClr val="accent1">
+              <a:shade val="50000"/>
+            </a:schemeClr>
+          </a:lnRef>
+          <a:fillRef idx="1">
+            <a:schemeClr val="accent1"/>
+          </a:fillRef>
+          <a:effectRef idx="0">
+            <a:schemeClr val="accent1"/>
+          </a:effectRef>
+          <a:fontRef idx="minor">
+            <a:schemeClr val="lt1"/>
+          </a:fontRef>
+        </p:style>
+        <p:txBody>
+          <a:bodyPr rtlCol="0" anchor="ctr"/>
+          <a:lstStyle/>
+          <a:p>
+            <a:pPr algn="ctr"/>
+            <a:endParaRPr lang="en-US"/>
+          </a:p>
+        </p:txBody>
+      </p:sp>
+      <p:pic>
+        <p:nvPicPr>
+          <p:cNvPr id="13" name="Picture 12">
+            <a:extLst>
+              <a:ext uri="{FF2B5EF4-FFF2-40B4-BE49-F238E27FC236}">
+                <a16:creationId xmlns:a16="http://schemas.microsoft.com/office/drawing/2014/main" id="{4EC584A2-4215-4DB8-AE1F-E3768D77E8DE}"/>
+              </a:ext>
+              <a:ext uri="{C183D7F6-B498-43B3-948B-1728B52AA6E4}">
+                <adec:decorative xmlns:adec="http://schemas.microsoft.com/office/drawing/2017/decorative" val="1"/>
+              </a:ext>
+            </a:extLst>
+          </p:cNvPr>
+          <p:cNvPicPr>
+            <a:picLocks noGrp="1" noRot="1" noChangeAspect="1" noMove="1" noResize="1" noEditPoints="1" noAdjustHandles="1" noChangeArrowheads="1" noChangeShapeType="1" noCrop="1"/>
+          </p:cNvPicPr>
+          <p:nvPr>
+            <p:extLst>
+              <p:ext uri="{386F3935-93C4-4BCD-93E2-E3B085C9AB24}">
+                <p16:designElem xmlns:p16="http://schemas.microsoft.com/office/powerpoint/2015/main" val="1"/>
+              </p:ext>
+            </p:extLst>
+          </p:nvPr>
+        </p:nvPicPr>
+        <p:blipFill>
+          <a:blip r:embed="rId2">
+            <a:extLst>
+              <a:ext uri="{28A0092B-C50C-407E-A947-70E740481C1C}">
+                <a14:useLocalDpi xmlns:a14="http://schemas.microsoft.com/office/drawing/2010/main" val="0"/>
+              </a:ext>
+            </a:extLst>
+          </a:blip>
+          <a:stretch>
+            <a:fillRect/>
+          </a:stretch>
+        </p:blipFill>
+        <p:spPr>
+          <a:xfrm>
+            <a:off x="0" y="0"/>
+            <a:ext cx="12192000" cy="1441450"/>
+          </a:xfrm>
+          <a:prstGeom prst="rect">
+            <a:avLst/>
+          </a:prstGeom>
+        </p:spPr>
+      </p:pic>
+      <p:sp>
+        <p:nvSpPr>
+          <p:cNvPr id="2" name="Title 1">
+            <a:extLst>
+              <a:ext uri="{FF2B5EF4-FFF2-40B4-BE49-F238E27FC236}">
+                <a16:creationId xmlns:a16="http://schemas.microsoft.com/office/drawing/2014/main" id="{F7FD8004-3F9C-1D46-A8B9-9BE770B380FC}"/>
+              </a:ext>
+            </a:extLst>
+          </p:cNvPr>
+          <p:cNvSpPr>
+            <a:spLocks noGrp="1"/>
+          </p:cNvSpPr>
+          <p:nvPr>
+            <p:ph type="title"/>
+          </p:nvPr>
+        </p:nvSpPr>
+        <p:spPr>
+          <a:xfrm>
+            <a:off x="685799" y="764373"/>
+            <a:ext cx="3977639" cy="1600200"/>
+          </a:xfrm>
+        </p:spPr>
+        <p:txBody>
+          <a:bodyPr anchor="b">
+            <a:normAutofit/>
+          </a:bodyPr>
+          <a:lstStyle/>
+          <a:p>
+            <a:pPr algn="l"/>
+            <a:r>
+              <a:rPr lang="en-US" sz="3200"/>
+              <a:t>Assumptions and Limitations</a:t>
+            </a:r>
+          </a:p>
+        </p:txBody>
+      </p:sp>
+      <p:sp>
+        <p:nvSpPr>
+          <p:cNvPr id="3" name="Content Placeholder 2">
+            <a:extLst>
+              <a:ext uri="{FF2B5EF4-FFF2-40B4-BE49-F238E27FC236}">
+                <a16:creationId xmlns:a16="http://schemas.microsoft.com/office/drawing/2014/main" id="{97D05CD3-C05D-3648-A121-E339672BCE05}"/>
+              </a:ext>
+            </a:extLst>
+          </p:cNvPr>
+          <p:cNvSpPr>
+            <a:spLocks noGrp="1"/>
+          </p:cNvSpPr>
+          <p:nvPr>
+            <p:ph idx="1"/>
+          </p:nvPr>
+        </p:nvSpPr>
+        <p:spPr>
+          <a:xfrm>
+            <a:off x="685800" y="2364573"/>
+            <a:ext cx="3977639" cy="3854112"/>
+          </a:xfrm>
+        </p:spPr>
+        <p:txBody>
+          <a:bodyPr>
+            <a:normAutofit/>
+          </a:bodyPr>
+          <a:lstStyle/>
+          <a:p>
+            <a:pPr marL="457200" indent="-457200">
+              <a:buFont typeface="+mj-lt"/>
+              <a:buAutoNum type="arabicPeriod"/>
+            </a:pPr>
+            <a:r>
+              <a:rPr lang="en-US" sz="1600"/>
+              <a:t>GENETIC/EVOLUTIONARY MODEL</a:t>
+            </a:r>
+          </a:p>
+          <a:p>
+            <a:pPr marL="457200" indent="-457200">
+              <a:buFont typeface="+mj-lt"/>
+              <a:buAutoNum type="arabicPeriod"/>
+            </a:pPr>
+            <a:r>
+              <a:rPr lang="en-US" sz="1600"/>
+              <a:t>INTERACTION BETWEEN TWO PEOPLE</a:t>
+            </a:r>
+          </a:p>
+          <a:p>
+            <a:pPr marL="457200" indent="-457200">
+              <a:buFont typeface="+mj-lt"/>
+              <a:buAutoNum type="arabicPeriod"/>
+            </a:pPr>
+            <a:r>
+              <a:rPr lang="en-US" sz="1600"/>
+              <a:t>PATRIARCHAL INFLUENCE</a:t>
+            </a:r>
+          </a:p>
+          <a:p>
+            <a:pPr marL="457200" indent="-457200">
+              <a:buFont typeface="+mj-lt"/>
+              <a:buAutoNum type="arabicPeriod"/>
+            </a:pPr>
+            <a:r>
+              <a:rPr lang="en-US" sz="1600"/>
+              <a:t>METHOD LEANINGS BY GROUP</a:t>
+            </a:r>
+          </a:p>
+          <a:p>
+            <a:pPr marL="457200" indent="-457200">
+              <a:buFont typeface="+mj-lt"/>
+              <a:buAutoNum type="arabicPeriod"/>
+            </a:pPr>
+            <a:r>
+              <a:rPr lang="en-US" sz="1600"/>
+              <a:t>TECHNOLOGICAL RESTRICTIONS</a:t>
+            </a:r>
+          </a:p>
+          <a:p>
+            <a:pPr marL="457200" indent="-457200">
+              <a:buFont typeface="+mj-lt"/>
+              <a:buAutoNum type="arabicPeriod"/>
+            </a:pPr>
+            <a:r>
+              <a:rPr lang="en-US" sz="1600"/>
+              <a:t>INTRODUCTION OF NEW IMMIGRANTS</a:t>
+            </a:r>
+          </a:p>
+        </p:txBody>
+      </p:sp>
+      <p:pic>
+        <p:nvPicPr>
+          <p:cNvPr id="6" name="Picture 5" descr="Text&#10;&#10;Description automatically generated">
+            <a:extLst>
+              <a:ext uri="{FF2B5EF4-FFF2-40B4-BE49-F238E27FC236}">
+                <a16:creationId xmlns:a16="http://schemas.microsoft.com/office/drawing/2014/main" id="{DE631BA5-616D-8D4B-99DF-23B0D2C4B941}"/>
+              </a:ext>
+            </a:extLst>
+          </p:cNvPr>
+          <p:cNvPicPr>
+            <a:picLocks noChangeAspect="1"/>
+          </p:cNvPicPr>
+          <p:nvPr/>
+        </p:nvPicPr>
+        <p:blipFill>
+          <a:blip r:embed="rId3"/>
+          <a:stretch>
+            <a:fillRect/>
+          </a:stretch>
+        </p:blipFill>
+        <p:spPr>
+          <a:xfrm>
+            <a:off x="4972699" y="1440686"/>
+            <a:ext cx="6533501" cy="4083438"/>
+          </a:xfrm>
+          <a:prstGeom prst="rect">
+            <a:avLst/>
+          </a:prstGeom>
+        </p:spPr>
+      </p:pic>
+    </p:spTree>
+    <p:extLst>
+      <p:ext uri="{BB962C8B-B14F-4D97-AF65-F5344CB8AC3E}">
+        <p14:creationId xmlns:p14="http://schemas.microsoft.com/office/powerpoint/2010/main" val="4186641734"/>
+      </p:ext>
+    </p:extLst>
+  </p:cSld>
+  <p:clrMapOvr>
+    <a:masterClrMapping/>
+  </p:clrMapOvr>
+</p:sld>
+</file>
+
 <file path=ppt/theme/theme1.xml><?xml version="1.0" encoding="utf-8"?>
 <a:theme xmlns:a="http://schemas.openxmlformats.org/drawingml/2006/main" name="Vapor Trail">
   <a:themeElements>

--- a/SCUDEM Presentation.pptx
+++ b/SCUDEM Presentation.pptx
@@ -10,6 +10,8 @@
     <p:sldId id="258" r:id="rId4"/>
     <p:sldId id="259" r:id="rId5"/>
     <p:sldId id="260" r:id="rId6"/>
+    <p:sldId id="261" r:id="rId7"/>
+    <p:sldId id="262" r:id="rId8"/>
   </p:sldIdLst>
   <p:sldSz cx="12192000" cy="6858000"/>
   <p:notesSz cx="6858000" cy="9144000"/>
@@ -5847,7 +5849,7 @@
             </a:pPr>
             <a:r>
               <a:rPr lang="en-US" dirty="0"/>
-              <a:t>EXPANSIONS</a:t>
+              <a:t>WAYS TO EXTEND THE PROJECT</a:t>
             </a:r>
           </a:p>
           <a:p>
@@ -6802,6 +6804,230 @@
     <p:extLst>
       <p:ext uri="{BB962C8B-B14F-4D97-AF65-F5344CB8AC3E}">
         <p14:creationId xmlns:p14="http://schemas.microsoft.com/office/powerpoint/2010/main" val="4186641734"/>
+      </p:ext>
+    </p:extLst>
+  </p:cSld>
+  <p:clrMapOvr>
+    <a:masterClrMapping/>
+  </p:clrMapOvr>
+</p:sld>
+</file>
+
+<file path=ppt/slides/slide6.xml><?xml version="1.0" encoding="utf-8"?>
+<p:sld xmlns:a="http://schemas.openxmlformats.org/drawingml/2006/main" xmlns:r="http://schemas.openxmlformats.org/officeDocument/2006/relationships" xmlns:p="http://schemas.openxmlformats.org/presentationml/2006/main">
+  <p:cSld>
+    <p:spTree>
+      <p:nvGrpSpPr>
+        <p:cNvPr id="1" name=""/>
+        <p:cNvGrpSpPr/>
+        <p:nvPr/>
+      </p:nvGrpSpPr>
+      <p:grpSpPr>
+        <a:xfrm>
+          <a:off x="0" y="0"/>
+          <a:ext cx="0" cy="0"/>
+          <a:chOff x="0" y="0"/>
+          <a:chExt cx="0" cy="0"/>
+        </a:xfrm>
+      </p:grpSpPr>
+      <p:sp>
+        <p:nvSpPr>
+          <p:cNvPr id="2" name="Title 1">
+            <a:extLst>
+              <a:ext uri="{FF2B5EF4-FFF2-40B4-BE49-F238E27FC236}">
+                <a16:creationId xmlns:a16="http://schemas.microsoft.com/office/drawing/2014/main" id="{17F36AF4-4131-1145-AA73-5029180C0CF9}"/>
+              </a:ext>
+            </a:extLst>
+          </p:cNvPr>
+          <p:cNvSpPr>
+            <a:spLocks noGrp="1"/>
+          </p:cNvSpPr>
+          <p:nvPr>
+            <p:ph type="title"/>
+          </p:nvPr>
+        </p:nvSpPr>
+        <p:spPr/>
+        <p:txBody>
+          <a:bodyPr/>
+          <a:lstStyle/>
+          <a:p>
+            <a:r>
+              <a:rPr lang="en-US" dirty="0"/>
+              <a:t>Ways to extend the project</a:t>
+            </a:r>
+          </a:p>
+        </p:txBody>
+      </p:sp>
+      <p:sp>
+        <p:nvSpPr>
+          <p:cNvPr id="3" name="Content Placeholder 2">
+            <a:extLst>
+              <a:ext uri="{FF2B5EF4-FFF2-40B4-BE49-F238E27FC236}">
+                <a16:creationId xmlns:a16="http://schemas.microsoft.com/office/drawing/2014/main" id="{A760A1FB-8635-D140-8411-430A0C6988C5}"/>
+              </a:ext>
+            </a:extLst>
+          </p:cNvPr>
+          <p:cNvSpPr>
+            <a:spLocks noGrp="1"/>
+          </p:cNvSpPr>
+          <p:nvPr>
+            <p:ph idx="1"/>
+          </p:nvPr>
+        </p:nvSpPr>
+        <p:spPr/>
+        <p:txBody>
+          <a:bodyPr/>
+          <a:lstStyle/>
+          <a:p>
+            <a:pPr marL="457200" indent="-457200">
+              <a:buFont typeface="+mj-lt"/>
+              <a:buAutoNum type="arabicPeriod"/>
+            </a:pPr>
+            <a:r>
+              <a:rPr lang="en-US" dirty="0"/>
+              <a:t>INCREASE NUMBER OF INTERACTIONS/RUN MORE SIMULATIONS</a:t>
+            </a:r>
+          </a:p>
+          <a:p>
+            <a:pPr marL="457200" indent="-457200">
+              <a:buFont typeface="+mj-lt"/>
+              <a:buAutoNum type="arabicPeriod"/>
+            </a:pPr>
+            <a:r>
+              <a:rPr lang="en-US" dirty="0"/>
+              <a:t>INCREASE NUMBER OF INFLUENTIAL CHARACTERISTICS</a:t>
+            </a:r>
+          </a:p>
+          <a:p>
+            <a:pPr marL="457200" indent="-457200">
+              <a:buFont typeface="+mj-lt"/>
+              <a:buAutoNum type="arabicPeriod"/>
+            </a:pPr>
+            <a:r>
+              <a:rPr lang="en-US" dirty="0"/>
+              <a:t>IMPROVE SIMULATION FUNCTION</a:t>
+            </a:r>
+          </a:p>
+          <a:p>
+            <a:pPr marL="457200" indent="-457200">
+              <a:buFont typeface="+mj-lt"/>
+              <a:buAutoNum type="arabicPeriod"/>
+            </a:pPr>
+            <a:r>
+              <a:rPr lang="en-US" dirty="0"/>
+              <a:t>METHODS OF CHANGING PREFERRED TECHNIQUE OF MEDIATION</a:t>
+            </a:r>
+          </a:p>
+          <a:p>
+            <a:pPr marL="457200" indent="-457200">
+              <a:buFont typeface="+mj-lt"/>
+              <a:buAutoNum type="arabicPeriod"/>
+            </a:pPr>
+            <a:r>
+              <a:rPr lang="en-US" dirty="0"/>
+              <a:t>MORE CONCRETE METHOD OF DETERMINING WHO IS INTERACTING WITH EACHOTHER.</a:t>
+            </a:r>
+          </a:p>
+        </p:txBody>
+      </p:sp>
+    </p:spTree>
+    <p:extLst>
+      <p:ext uri="{BB962C8B-B14F-4D97-AF65-F5344CB8AC3E}">
+        <p14:creationId xmlns:p14="http://schemas.microsoft.com/office/powerpoint/2010/main" val="4289331409"/>
+      </p:ext>
+    </p:extLst>
+  </p:cSld>
+  <p:clrMapOvr>
+    <a:masterClrMapping/>
+  </p:clrMapOvr>
+</p:sld>
+</file>
+
+<file path=ppt/slides/slide7.xml><?xml version="1.0" encoding="utf-8"?>
+<p:sld xmlns:a="http://schemas.openxmlformats.org/drawingml/2006/main" xmlns:r="http://schemas.openxmlformats.org/officeDocument/2006/relationships" xmlns:p="http://schemas.openxmlformats.org/presentationml/2006/main">
+  <p:cSld>
+    <p:spTree>
+      <p:nvGrpSpPr>
+        <p:cNvPr id="1" name=""/>
+        <p:cNvGrpSpPr/>
+        <p:nvPr/>
+      </p:nvGrpSpPr>
+      <p:grpSpPr>
+        <a:xfrm>
+          <a:off x="0" y="0"/>
+          <a:ext cx="0" cy="0"/>
+          <a:chOff x="0" y="0"/>
+          <a:chExt cx="0" cy="0"/>
+        </a:xfrm>
+      </p:grpSpPr>
+      <p:sp>
+        <p:nvSpPr>
+          <p:cNvPr id="2" name="Title 1">
+            <a:extLst>
+              <a:ext uri="{FF2B5EF4-FFF2-40B4-BE49-F238E27FC236}">
+                <a16:creationId xmlns:a16="http://schemas.microsoft.com/office/drawing/2014/main" id="{BC056630-D8EE-8C41-A610-72F6ABE0C777}"/>
+              </a:ext>
+            </a:extLst>
+          </p:cNvPr>
+          <p:cNvSpPr>
+            <a:spLocks noGrp="1"/>
+          </p:cNvSpPr>
+          <p:nvPr>
+            <p:ph type="title"/>
+          </p:nvPr>
+        </p:nvSpPr>
+        <p:spPr>
+          <a:xfrm>
+            <a:off x="3581400" y="0"/>
+            <a:ext cx="8610600" cy="1293028"/>
+          </a:xfrm>
+        </p:spPr>
+        <p:txBody>
+          <a:bodyPr>
+            <a:normAutofit/>
+          </a:bodyPr>
+          <a:lstStyle/>
+          <a:p>
+            <a:r>
+              <a:rPr lang="en-US" sz="6000" dirty="0"/>
+              <a:t>CONCLUSION</a:t>
+            </a:r>
+          </a:p>
+        </p:txBody>
+      </p:sp>
+      <p:pic>
+        <p:nvPicPr>
+          <p:cNvPr id="5" name="Content Placeholder 4" descr="Text&#10;&#10;Description automatically generated">
+            <a:extLst>
+              <a:ext uri="{FF2B5EF4-FFF2-40B4-BE49-F238E27FC236}">
+                <a16:creationId xmlns:a16="http://schemas.microsoft.com/office/drawing/2014/main" id="{FCB656FE-D341-8F49-BAB4-E6129F08533C}"/>
+              </a:ext>
+            </a:extLst>
+          </p:cNvPr>
+          <p:cNvPicPr>
+            <a:picLocks noGrp="1" noChangeAspect="1"/>
+          </p:cNvPicPr>
+          <p:nvPr>
+            <p:ph idx="1"/>
+          </p:nvPr>
+        </p:nvPicPr>
+        <p:blipFill>
+          <a:blip r:embed="rId2"/>
+          <a:stretch>
+            <a:fillRect/>
+          </a:stretch>
+        </p:blipFill>
+        <p:spPr>
+          <a:xfrm>
+            <a:off x="978370" y="1100667"/>
+            <a:ext cx="10235259" cy="5757333"/>
+          </a:xfrm>
+        </p:spPr>
+      </p:pic>
+    </p:spTree>
+    <p:extLst>
+      <p:ext uri="{BB962C8B-B14F-4D97-AF65-F5344CB8AC3E}">
+        <p14:creationId xmlns:p14="http://schemas.microsoft.com/office/powerpoint/2010/main" val="2647373393"/>
       </p:ext>
     </p:extLst>
   </p:cSld>
